--- a/EscapeProblem.pptx
+++ b/EscapeProblem.pptx
@@ -12,7 +12,8 @@
     <p:sldId id="264" r:id="rId6"/>
     <p:sldId id="265" r:id="rId7"/>
     <p:sldId id="266" r:id="rId8"/>
-    <p:sldId id="262" r:id="rId9"/>
+    <p:sldId id="267" r:id="rId9"/>
+    <p:sldId id="262" r:id="rId10"/>
   </p:sldIdLst>
   <p:sldSz cx="12192000" cy="6858000"/>
   <p:notesSz cx="6858000" cy="9144000"/>
@@ -4083,7 +4084,7 @@
         <p:spPr>
           <a:xfrm>
             <a:off x="2868460" y="5047989"/>
-            <a:ext cx="8242126" cy="954107"/>
+            <a:ext cx="8242126" cy="1384995"/>
           </a:xfrm>
           <a:prstGeom prst="rect">
             <a:avLst/>
@@ -4098,7 +4099,7 @@
           <a:p>
             <a:r>
               <a:rPr lang="en-US" sz="2800" dirty="0"/>
-              <a:t>Determine if it is possible to connect each of the starting vertices to any of the boundary vertex</a:t>
+              <a:t>Determine if it is possible to connect each from the given set of starting vertices to any of the 4n – 4 boundary vertex.</a:t>
             </a:r>
           </a:p>
         </p:txBody>
@@ -4361,20 +4362,30 @@
                   <a:schemeClr val="tx1"/>
                 </a:solidFill>
               </a:rPr>
-              <a:t>Converting Escape problem to Single Source – Single Sink Maximum flow path.</a:t>
-            </a:r>
+              <a:t>Converting Escape problem to Single Source – Single Sink Maximum flow path.(</a:t>
+            </a:r>
+            <a:r>
+              <a:rPr lang="en-US" sz="2400" dirty="0"/>
+              <a:t>Converting simple undirected graph G into directed graph for vertex disjoint paths G’ and applying max-flow algorithm</a:t>
+            </a:r>
+            <a:r>
+              <a:rPr lang="en-US" sz="2400" dirty="0">
+                <a:solidFill>
+                  <a:schemeClr val="tx1"/>
+                </a:solidFill>
+              </a:rPr>
+              <a:t>)</a:t>
+            </a:r>
+          </a:p>
+          <a:p>
+            <a:pPr lvl="1"/>
+            <a:endParaRPr lang="en-US" dirty="0"/>
           </a:p>
           <a:p>
             <a:pPr lvl="1"/>
             <a:r>
               <a:rPr lang="en-US" dirty="0"/>
               <a:t>Add two artificial vertices : source and sink.</a:t>
-            </a:r>
-          </a:p>
-          <a:p>
-            <a:r>
-              <a:rPr lang="en-US" sz="2400" dirty="0"/>
-              <a:t>Converting simple undirected graph G into directed graph for vertex disjoint paths G’ and applying max-flow algorithm</a:t>
             </a:r>
           </a:p>
           <a:p>
@@ -4527,7 +4538,7 @@
             <a:pPr lvl="1" fontAlgn="base"/>
             <a:r>
               <a:rPr lang="en-US" dirty="0"/>
-              <a:t>Replace each edge (u, v) in the original graph with edges from u</a:t>
+              <a:t>For each of the grid boundary vertices v, add an edge from v</a:t>
             </a:r>
             <a:r>
               <a:rPr lang="en-US" baseline="-25000" dirty="0"/>
@@ -4535,45 +4546,6 @@
             </a:r>
             <a:r>
               <a:rPr lang="en-US" dirty="0"/>
-              <a:t> to v</a:t>
-            </a:r>
-            <a:r>
-              <a:rPr lang="en-US" baseline="-25000" dirty="0"/>
-              <a:t>in</a:t>
-            </a:r>
-            <a:r>
-              <a:rPr lang="en-US" dirty="0"/>
-              <a:t> and from v</a:t>
-            </a:r>
-            <a:r>
-              <a:rPr lang="en-US" baseline="-25000" dirty="0"/>
-              <a:t>out</a:t>
-            </a:r>
-            <a:r>
-              <a:rPr lang="en-US" dirty="0"/>
-              <a:t> and v</a:t>
-            </a:r>
-            <a:r>
-              <a:rPr lang="en-US" baseline="-25000" dirty="0"/>
-              <a:t>out  </a:t>
-            </a:r>
-            <a:r>
-              <a:rPr lang="en-US" dirty="0"/>
-              <a:t>of capacity 1.</a:t>
-            </a:r>
-          </a:p>
-          <a:p>
-            <a:pPr lvl="1" fontAlgn="base"/>
-            <a:r>
-              <a:rPr lang="en-US" dirty="0"/>
-              <a:t>For each of the grid boundary vertices v, add an edge from v</a:t>
-            </a:r>
-            <a:r>
-              <a:rPr lang="en-US" baseline="-25000" dirty="0"/>
-              <a:t>out</a:t>
-            </a:r>
-            <a:r>
-              <a:rPr lang="en-US" dirty="0"/>
               <a:t> to t with unit capacity of 1.</a:t>
             </a:r>
           </a:p>
@@ -4590,6 +4562,9 @@
               <a:rPr lang="en-US" dirty="0"/>
               <a:t>s-t max-flow gives the maximum number of s-t vertex disjoint paths </a:t>
             </a:r>
+          </a:p>
+          <a:p>
+            <a:endParaRPr lang="en-US" dirty="0"/>
           </a:p>
           <a:p>
             <a:r>
@@ -4672,7 +4647,9 @@
             </p:nvSpPr>
             <p:spPr/>
             <p:txBody>
-              <a:bodyPr/>
+              <a:bodyPr>
+                <a:normAutofit/>
+              </a:bodyPr>
               <a:lstStyle/>
               <a:p>
                 <a:r>
@@ -4694,52 +4671,6 @@
                 <a:r>
                   <a:rPr lang="en-US" dirty="0"/>
                   <a:t>is O(V).</a:t>
-                </a:r>
-              </a:p>
-              <a:p>
-                <a:pPr lvl="1"/>
-                <a:r>
-                  <a:rPr lang="en-US" dirty="0"/>
-                  <a:t>| </a:t>
-                </a:r>
-                <a14:m>
-                  <m:oMath xmlns:m="http://schemas.openxmlformats.org/officeDocument/2006/math">
-                    <m:sSup>
-                      <m:sSupPr>
-                        <m:ctrlPr>
-                          <a:rPr lang="en-US">
-                            <a:latin typeface="Cambria Math" panose="02040503050406030204" pitchFamily="18" charset="0"/>
-                          </a:rPr>
-                        </m:ctrlPr>
-                      </m:sSupPr>
-                      <m:e>
-                        <m:r>
-                          <a:rPr lang="en-US" b="0" i="1" smtClean="0">
-                            <a:latin typeface="Cambria Math" panose="02040503050406030204" pitchFamily="18" charset="0"/>
-                          </a:rPr>
-                          <m:t>𝑉</m:t>
-                        </m:r>
-                      </m:e>
-                      <m:sup>
-                        <m:r>
-                          <a:rPr lang="en-US" b="0" i="1" smtClean="0">
-                            <a:latin typeface="Cambria Math" panose="02040503050406030204" pitchFamily="18" charset="0"/>
-                          </a:rPr>
-                          <m:t>′</m:t>
-                        </m:r>
-                      </m:sup>
-                    </m:sSup>
-                    <m:r>
-                      <a:rPr lang="en-US">
-                        <a:latin typeface="Cambria Math" panose="02040503050406030204" pitchFamily="18" charset="0"/>
-                      </a:rPr>
-                      <m:t> </m:t>
-                    </m:r>
-                  </m:oMath>
-                </a14:m>
-                <a:r>
-                  <a:rPr lang="en-US" dirty="0"/>
-                  <a:t>| = 2 .|V|</a:t>
                 </a:r>
               </a:p>
               <a:p>
@@ -4765,6 +4696,12 @@
                 </a:r>
               </a:p>
               <a:p>
+                <a:r>
+                  <a:rPr lang="en-US" dirty="0"/>
+                  <a:t>Modified Vertex and Edge Sets in the Maximum-Flow network</a:t>
+                </a:r>
+              </a:p>
+              <a:p>
                 <a:pPr lvl="1"/>
                 <a:r>
                   <a:rPr lang="en-US" dirty="0"/>
@@ -4776,6 +4713,52 @@
                       <m:sSupPr>
                         <m:ctrlPr>
                           <a:rPr lang="en-US">
+                            <a:latin typeface="Cambria Math" panose="02040503050406030204" pitchFamily="18" charset="0"/>
+                          </a:rPr>
+                        </m:ctrlPr>
+                      </m:sSupPr>
+                      <m:e>
+                        <m:r>
+                          <a:rPr lang="en-US">
+                            <a:latin typeface="Cambria Math" panose="02040503050406030204" pitchFamily="18" charset="0"/>
+                          </a:rPr>
+                          <m:t>𝑉</m:t>
+                        </m:r>
+                      </m:e>
+                      <m:sup>
+                        <m:r>
+                          <a:rPr lang="en-US">
+                            <a:latin typeface="Cambria Math" panose="02040503050406030204" pitchFamily="18" charset="0"/>
+                          </a:rPr>
+                          <m:t>′</m:t>
+                        </m:r>
+                      </m:sup>
+                    </m:sSup>
+                    <m:r>
+                      <a:rPr lang="en-US">
+                        <a:latin typeface="Cambria Math" panose="02040503050406030204" pitchFamily="18" charset="0"/>
+                      </a:rPr>
+                      <m:t> </m:t>
+                    </m:r>
+                  </m:oMath>
+                </a14:m>
+                <a:r>
+                  <a:rPr lang="en-US" dirty="0"/>
+                  <a:t>| = 2 .|V|</a:t>
+                </a:r>
+              </a:p>
+              <a:p>
+                <a:pPr lvl="1"/>
+                <a:r>
+                  <a:rPr lang="en-US" dirty="0"/>
+                  <a:t>| </a:t>
+                </a:r>
+                <a14:m>
+                  <m:oMath xmlns:m="http://schemas.openxmlformats.org/officeDocument/2006/math">
+                    <m:sSup>
+                      <m:sSupPr>
+                        <m:ctrlPr>
+                          <a:rPr lang="en-US" i="1">
                             <a:latin typeface="Cambria Math" panose="02040503050406030204" pitchFamily="18" charset="0"/>
                           </a:rPr>
                         </m:ctrlPr>
@@ -4878,7 +4861,7 @@
                     <m:d>
                       <m:dPr>
                         <m:ctrlPr>
-                          <a:rPr lang="en-US" b="0" i="0" smtClean="0">
+                          <a:rPr lang="en-US" b="0" i="1" smtClean="0">
                             <a:latin typeface="Cambria Math" panose="02040503050406030204" pitchFamily="18" charset="0"/>
                           </a:rPr>
                         </m:ctrlPr>
@@ -4887,7 +4870,7 @@
                         <m:sSup>
                           <m:sSupPr>
                             <m:ctrlPr>
-                              <a:rPr lang="en-US">
+                              <a:rPr lang="en-US" i="1">
                                 <a:latin typeface="Cambria Math" panose="02040503050406030204" pitchFamily="18" charset="0"/>
                               </a:rPr>
                             </m:ctrlPr>
@@ -4912,7 +4895,7 @@
                         <m:sSup>
                           <m:sSupPr>
                             <m:ctrlPr>
-                              <a:rPr lang="en-US">
+                              <a:rPr lang="en-US" i="1">
                                 <a:latin typeface="Cambria Math" panose="02040503050406030204" pitchFamily="18" charset="0"/>
                               </a:rPr>
                             </m:ctrlPr>
@@ -4975,7 +4958,7 @@
                     <m:sSup>
                       <m:sSupPr>
                         <m:ctrlPr>
-                          <a:rPr lang="en-US">
+                          <a:rPr lang="en-US" i="1">
                             <a:latin typeface="Cambria Math" panose="02040503050406030204" pitchFamily="18" charset="0"/>
                           </a:rPr>
                         </m:ctrlPr>
@@ -5029,10 +5012,6 @@
                     </m:r>
                   </m:oMath>
                 </a14:m>
-                <a:endParaRPr lang="en-US" baseline="-25000" dirty="0"/>
-              </a:p>
-              <a:p>
-                <a:pPr lvl="1"/>
                 <a:endParaRPr lang="en-US" baseline="-25000" dirty="0"/>
               </a:p>
               <a:p>
@@ -5092,6 +5071,384 @@
 </file>
 
 <file path=ppt/slides/slide8.xml><?xml version="1.0" encoding="utf-8"?>
+<p:sld xmlns:a="http://schemas.openxmlformats.org/drawingml/2006/main" xmlns:r="http://schemas.openxmlformats.org/officeDocument/2006/relationships" xmlns:p="http://schemas.openxmlformats.org/presentationml/2006/main">
+  <p:cSld>
+    <p:spTree>
+      <p:nvGrpSpPr>
+        <p:cNvPr id="1" name=""/>
+        <p:cNvGrpSpPr/>
+        <p:nvPr/>
+      </p:nvGrpSpPr>
+      <p:grpSpPr>
+        <a:xfrm>
+          <a:off x="0" y="0"/>
+          <a:ext cx="0" cy="0"/>
+          <a:chOff x="0" y="0"/>
+          <a:chExt cx="0" cy="0"/>
+        </a:xfrm>
+      </p:grpSpPr>
+      <p:sp>
+        <p:nvSpPr>
+          <p:cNvPr id="2" name="Title 1">
+            <a:extLst>
+              <a:ext uri="{FF2B5EF4-FFF2-40B4-BE49-F238E27FC236}">
+                <a16:creationId xmlns:a16="http://schemas.microsoft.com/office/drawing/2014/main" id="{35FF3C69-64BD-49A4-8B19-910EAFCBA3B9}"/>
+              </a:ext>
+            </a:extLst>
+          </p:cNvPr>
+          <p:cNvSpPr>
+            <a:spLocks noGrp="1"/>
+          </p:cNvSpPr>
+          <p:nvPr>
+            <p:ph type="title"/>
+          </p:nvPr>
+        </p:nvSpPr>
+        <p:spPr/>
+        <p:txBody>
+          <a:bodyPr/>
+          <a:lstStyle/>
+          <a:p>
+            <a:r>
+              <a:rPr lang="en-US" dirty="0"/>
+              <a:t>Total Algorithmic Complexity</a:t>
+            </a:r>
+          </a:p>
+        </p:txBody>
+      </p:sp>
+      <mc:AlternateContent xmlns:mc="http://schemas.openxmlformats.org/markup-compatibility/2006">
+        <mc:Choice xmlns:a14="http://schemas.microsoft.com/office/drawing/2010/main" Requires="a14">
+          <p:sp>
+            <p:nvSpPr>
+              <p:cNvPr id="3" name="Content Placeholder 2">
+                <a:extLst>
+                  <a:ext uri="{FF2B5EF4-FFF2-40B4-BE49-F238E27FC236}">
+                    <a16:creationId xmlns:a16="http://schemas.microsoft.com/office/drawing/2014/main" id="{E08A4A0C-9373-4E2C-8D05-6A25B532DA69}"/>
+                  </a:ext>
+                </a:extLst>
+              </p:cNvPr>
+              <p:cNvSpPr>
+                <a:spLocks noGrp="1"/>
+              </p:cNvSpPr>
+              <p:nvPr>
+                <p:ph idx="1"/>
+              </p:nvPr>
+            </p:nvSpPr>
+            <p:spPr/>
+            <p:txBody>
+              <a:bodyPr/>
+              <a:lstStyle/>
+              <a:p>
+                <a:r>
+                  <a:rPr lang="en-US" dirty="0"/>
+                  <a:t>Total Escape problem complexity = Graph Modification cost + Max-flow Algorithm cost</a:t>
+                </a:r>
+              </a:p>
+              <a:p>
+                <a:pPr marL="530352" lvl="1" indent="0">
+                  <a:buNone/>
+                </a:pPr>
+                <a14:m>
+                  <m:oMath xmlns:m="http://schemas.openxmlformats.org/officeDocument/2006/math">
+                    <m:r>
+                      <a:rPr lang="en-US" i="0">
+                        <a:latin typeface="Cambria Math" panose="02040503050406030204" pitchFamily="18" charset="0"/>
+                      </a:rPr>
+                      <m:t>=</m:t>
+                    </m:r>
+                    <m:r>
+                      <m:rPr>
+                        <m:sty m:val="p"/>
+                      </m:rPr>
+                      <a:rPr lang="en-US" b="0" i="0" smtClean="0">
+                        <a:latin typeface="Cambria Math" panose="02040503050406030204" pitchFamily="18" charset="0"/>
+                      </a:rPr>
+                      <m:t>O</m:t>
+                    </m:r>
+                    <m:d>
+                      <m:dPr>
+                        <m:ctrlPr>
+                          <a:rPr lang="en-US" b="0" i="0" smtClean="0">
+                            <a:latin typeface="Cambria Math" panose="02040503050406030204" pitchFamily="18" charset="0"/>
+                          </a:rPr>
+                        </m:ctrlPr>
+                      </m:dPr>
+                      <m:e>
+                        <m:r>
+                          <m:rPr>
+                            <m:sty m:val="p"/>
+                          </m:rPr>
+                          <a:rPr lang="en-US" b="0" i="0" smtClean="0">
+                            <a:latin typeface="Cambria Math" panose="02040503050406030204" pitchFamily="18" charset="0"/>
+                          </a:rPr>
+                          <m:t>V</m:t>
+                        </m:r>
+                      </m:e>
+                    </m:d>
+                    <m:r>
+                      <a:rPr lang="en-US" b="0" i="0" smtClean="0">
+                        <a:latin typeface="Cambria Math" panose="02040503050406030204" pitchFamily="18" charset="0"/>
+                      </a:rPr>
+                      <m:t>+ </m:t>
+                    </m:r>
+                    <m:r>
+                      <a:rPr lang="en-US">
+                        <a:latin typeface="Cambria Math" panose="02040503050406030204" pitchFamily="18" charset="0"/>
+                      </a:rPr>
+                      <m:t>𝑂</m:t>
+                    </m:r>
+                    <m:d>
+                      <m:dPr>
+                        <m:ctrlPr>
+                          <a:rPr lang="en-US" i="1">
+                            <a:latin typeface="Cambria Math" panose="02040503050406030204" pitchFamily="18" charset="0"/>
+                          </a:rPr>
+                        </m:ctrlPr>
+                      </m:dPr>
+                      <m:e>
+                        <m:r>
+                          <a:rPr lang="en-US">
+                            <a:latin typeface="Cambria Math" panose="02040503050406030204" pitchFamily="18" charset="0"/>
+                          </a:rPr>
+                          <m:t>2</m:t>
+                        </m:r>
+                        <m:r>
+                          <a:rPr lang="en-US">
+                            <a:latin typeface="Cambria Math" panose="02040503050406030204" pitchFamily="18" charset="0"/>
+                          </a:rPr>
+                          <m:t>𝑉</m:t>
+                        </m:r>
+                        <m:r>
+                          <a:rPr lang="en-US">
+                            <a:latin typeface="Cambria Math" panose="02040503050406030204" pitchFamily="18" charset="0"/>
+                          </a:rPr>
+                          <m:t>.</m:t>
+                        </m:r>
+                        <m:sSup>
+                          <m:sSupPr>
+                            <m:ctrlPr>
+                              <a:rPr lang="en-US">
+                                <a:latin typeface="Cambria Math" panose="02040503050406030204" pitchFamily="18" charset="0"/>
+                              </a:rPr>
+                            </m:ctrlPr>
+                          </m:sSupPr>
+                          <m:e>
+                            <m:d>
+                              <m:dPr>
+                                <m:ctrlPr>
+                                  <a:rPr lang="en-US">
+                                    <a:latin typeface="Cambria Math" panose="02040503050406030204" pitchFamily="18" charset="0"/>
+                                  </a:rPr>
+                                </m:ctrlPr>
+                              </m:dPr>
+                              <m:e>
+                                <m:r>
+                                  <a:rPr lang="en-US">
+                                    <a:latin typeface="Cambria Math" panose="02040503050406030204" pitchFamily="18" charset="0"/>
+                                  </a:rPr>
+                                  <m:t>𝐸</m:t>
+                                </m:r>
+                                <m:r>
+                                  <a:rPr lang="en-US">
+                                    <a:latin typeface="Cambria Math" panose="02040503050406030204" pitchFamily="18" charset="0"/>
+                                  </a:rPr>
+                                  <m:t>+</m:t>
+                                </m:r>
+                                <m:r>
+                                  <a:rPr lang="en-US">
+                                    <a:latin typeface="Cambria Math" panose="02040503050406030204" pitchFamily="18" charset="0"/>
+                                  </a:rPr>
+                                  <m:t>𝑉</m:t>
+                                </m:r>
+                              </m:e>
+                            </m:d>
+                          </m:e>
+                          <m:sup>
+                            <m:r>
+                              <a:rPr lang="en-US">
+                                <a:latin typeface="Cambria Math" panose="02040503050406030204" pitchFamily="18" charset="0"/>
+                              </a:rPr>
+                              <m:t>2</m:t>
+                            </m:r>
+                          </m:sup>
+                        </m:sSup>
+                      </m:e>
+                    </m:d>
+                    <m:r>
+                      <a:rPr lang="en-US" b="0" i="1" smtClean="0">
+                        <a:latin typeface="Cambria Math" panose="02040503050406030204" pitchFamily="18" charset="0"/>
+                      </a:rPr>
+                      <m:t> </m:t>
+                    </m:r>
+                  </m:oMath>
+                </a14:m>
+                <a:r>
+                  <a:rPr lang="en-US" dirty="0"/>
+                  <a:t>= </a:t>
+                </a:r>
+                <a14:m>
+                  <m:oMath xmlns:m="http://schemas.openxmlformats.org/officeDocument/2006/math">
+                    <m:r>
+                      <a:rPr lang="en-US">
+                        <a:latin typeface="Cambria Math" panose="02040503050406030204" pitchFamily="18" charset="0"/>
+                      </a:rPr>
+                      <m:t>𝑂</m:t>
+                    </m:r>
+                    <m:d>
+                      <m:dPr>
+                        <m:ctrlPr>
+                          <a:rPr lang="en-US">
+                            <a:latin typeface="Cambria Math" panose="02040503050406030204" pitchFamily="18" charset="0"/>
+                          </a:rPr>
+                        </m:ctrlPr>
+                      </m:dPr>
+                      <m:e>
+                        <m:r>
+                          <a:rPr lang="en-US">
+                            <a:latin typeface="Cambria Math" panose="02040503050406030204" pitchFamily="18" charset="0"/>
+                          </a:rPr>
+                          <m:t>2</m:t>
+                        </m:r>
+                        <m:r>
+                          <a:rPr lang="en-US">
+                            <a:latin typeface="Cambria Math" panose="02040503050406030204" pitchFamily="18" charset="0"/>
+                          </a:rPr>
+                          <m:t>𝑉</m:t>
+                        </m:r>
+                        <m:r>
+                          <a:rPr lang="en-US">
+                            <a:latin typeface="Cambria Math" panose="02040503050406030204" pitchFamily="18" charset="0"/>
+                          </a:rPr>
+                          <m:t>.</m:t>
+                        </m:r>
+                        <m:sSup>
+                          <m:sSupPr>
+                            <m:ctrlPr>
+                              <a:rPr lang="en-US">
+                                <a:latin typeface="Cambria Math" panose="02040503050406030204" pitchFamily="18" charset="0"/>
+                              </a:rPr>
+                            </m:ctrlPr>
+                          </m:sSupPr>
+                          <m:e>
+                            <m:d>
+                              <m:dPr>
+                                <m:ctrlPr>
+                                  <a:rPr lang="en-US">
+                                    <a:latin typeface="Cambria Math" panose="02040503050406030204" pitchFamily="18" charset="0"/>
+                                  </a:rPr>
+                                </m:ctrlPr>
+                              </m:dPr>
+                              <m:e>
+                                <m:r>
+                                  <a:rPr lang="en-US">
+                                    <a:latin typeface="Cambria Math" panose="02040503050406030204" pitchFamily="18" charset="0"/>
+                                  </a:rPr>
+                                  <m:t>𝐸</m:t>
+                                </m:r>
+                                <m:r>
+                                  <a:rPr lang="en-US">
+                                    <a:latin typeface="Cambria Math" panose="02040503050406030204" pitchFamily="18" charset="0"/>
+                                  </a:rPr>
+                                  <m:t>+</m:t>
+                                </m:r>
+                                <m:r>
+                                  <a:rPr lang="en-US">
+                                    <a:latin typeface="Cambria Math" panose="02040503050406030204" pitchFamily="18" charset="0"/>
+                                  </a:rPr>
+                                  <m:t>𝑉</m:t>
+                                </m:r>
+                              </m:e>
+                            </m:d>
+                          </m:e>
+                          <m:sup>
+                            <m:r>
+                              <a:rPr lang="en-US">
+                                <a:latin typeface="Cambria Math" panose="02040503050406030204" pitchFamily="18" charset="0"/>
+                              </a:rPr>
+                              <m:t>2</m:t>
+                            </m:r>
+                          </m:sup>
+                        </m:sSup>
+                      </m:e>
+                    </m:d>
+                  </m:oMath>
+                </a14:m>
+                <a:endParaRPr lang="en-US" dirty="0"/>
+              </a:p>
+              <a:p>
+                <a:r>
+                  <a:rPr lang="en-US" dirty="0"/>
+                  <a:t>Escape problem performance might vary depending upon the selection of Max-flow algorithm</a:t>
+                </a:r>
+              </a:p>
+              <a:p>
+                <a:pPr marL="530352" lvl="1" indent="0">
+                  <a:buNone/>
+                </a:pPr>
+                <a:endParaRPr lang="en-US" dirty="0"/>
+              </a:p>
+              <a:p>
+                <a:pPr marL="530352" lvl="1" indent="0">
+                  <a:buNone/>
+                </a:pPr>
+                <a:endParaRPr lang="en-US" baseline="-25000" dirty="0"/>
+              </a:p>
+            </p:txBody>
+          </p:sp>
+        </mc:Choice>
+        <mc:Fallback>
+          <p:sp>
+            <p:nvSpPr>
+              <p:cNvPr id="3" name="Content Placeholder 2">
+                <a:extLst>
+                  <a:ext uri="{FF2B5EF4-FFF2-40B4-BE49-F238E27FC236}">
+                    <a16:creationId xmlns:a16="http://schemas.microsoft.com/office/drawing/2014/main" id="{E08A4A0C-9373-4E2C-8D05-6A25B532DA69}"/>
+                  </a:ext>
+                </a:extLst>
+              </p:cNvPr>
+              <p:cNvSpPr>
+                <a:spLocks noGrp="1" noRot="1" noChangeAspect="1" noMove="1" noResize="1" noEditPoints="1" noAdjustHandles="1" noChangeArrowheads="1" noChangeShapeType="1" noTextEdit="1"/>
+              </p:cNvSpPr>
+              <p:nvPr>
+                <p:ph idx="1"/>
+              </p:nvPr>
+            </p:nvSpPr>
+            <p:spPr>
+              <a:blipFill>
+                <a:blip r:embed="rId2"/>
+                <a:stretch>
+                  <a:fillRect l="-571" t="-1361"/>
+                </a:stretch>
+              </a:blipFill>
+            </p:spPr>
+            <p:txBody>
+              <a:bodyPr/>
+              <a:lstStyle/>
+              <a:p>
+                <a:r>
+                  <a:rPr lang="en-US">
+                    <a:noFill/>
+                  </a:rPr>
+                  <a:t> </a:t>
+                </a:r>
+              </a:p>
+            </p:txBody>
+          </p:sp>
+        </mc:Fallback>
+      </mc:AlternateContent>
+    </p:spTree>
+    <p:extLst>
+      <p:ext uri="{BB962C8B-B14F-4D97-AF65-F5344CB8AC3E}">
+        <p14:creationId xmlns:p14="http://schemas.microsoft.com/office/powerpoint/2010/main" val="3845434949"/>
+      </p:ext>
+    </p:extLst>
+  </p:cSld>
+  <p:clrMapOvr>
+    <a:masterClrMapping/>
+  </p:clrMapOvr>
+</p:sld>
+</file>
+
+<file path=ppt/slides/slide9.xml><?xml version="1.0" encoding="utf-8"?>
 <p:sld xmlns:a="http://schemas.openxmlformats.org/drawingml/2006/main" xmlns:r="http://schemas.openxmlformats.org/officeDocument/2006/relationships" xmlns:p="http://schemas.openxmlformats.org/presentationml/2006/main">
   <p:cSld>
     <p:spTree>
